--- a/Structure.pptx
+++ b/Structure.pptx
@@ -6,6 +6,7 @@
   </p:sldMasterIdLst>
   <p:sldIdLst>
     <p:sldId id="256" r:id="rId2"/>
+    <p:sldId id="257" r:id="rId3"/>
   </p:sldIdLst>
   <p:sldSz cx="12192000" cy="6858000"/>
   <p:notesSz cx="6858000" cy="9144000"/>
@@ -104,6 +105,11 @@
       </a:defRPr>
     </a:lvl9pPr>
   </p:defaultTextStyle>
+  <p:extLst>
+    <p:ext uri="{EFAFB233-063F-42B5-8137-9DF3F51BA10A}">
+      <p15:sldGuideLst xmlns:p15="http://schemas.microsoft.com/office/powerpoint/2012/main"/>
+    </p:ext>
+  </p:extLst>
 </p:presentation>
 </file>
 
@@ -254,7 +260,7 @@
           <a:p>
             <a:fld id="{3F2A6867-7362-42B6-8E05-F21FB867A600}" type="datetimeFigureOut">
               <a:rPr lang="ko-KR" altLang="en-US" smtClean="0"/>
-              <a:t>2024-08-07</a:t>
+              <a:t>2024-08-11</a:t>
             </a:fld>
             <a:endParaRPr lang="ko-KR" altLang="en-US"/>
           </a:p>
@@ -452,7 +458,7 @@
           <a:p>
             <a:fld id="{3F2A6867-7362-42B6-8E05-F21FB867A600}" type="datetimeFigureOut">
               <a:rPr lang="ko-KR" altLang="en-US" smtClean="0"/>
-              <a:t>2024-08-07</a:t>
+              <a:t>2024-08-11</a:t>
             </a:fld>
             <a:endParaRPr lang="ko-KR" altLang="en-US"/>
           </a:p>
@@ -660,7 +666,7 @@
           <a:p>
             <a:fld id="{3F2A6867-7362-42B6-8E05-F21FB867A600}" type="datetimeFigureOut">
               <a:rPr lang="ko-KR" altLang="en-US" smtClean="0"/>
-              <a:t>2024-08-07</a:t>
+              <a:t>2024-08-11</a:t>
             </a:fld>
             <a:endParaRPr lang="ko-KR" altLang="en-US"/>
           </a:p>
@@ -858,7 +864,7 @@
           <a:p>
             <a:fld id="{3F2A6867-7362-42B6-8E05-F21FB867A600}" type="datetimeFigureOut">
               <a:rPr lang="ko-KR" altLang="en-US" smtClean="0"/>
-              <a:t>2024-08-07</a:t>
+              <a:t>2024-08-11</a:t>
             </a:fld>
             <a:endParaRPr lang="ko-KR" altLang="en-US"/>
           </a:p>
@@ -1133,7 +1139,7 @@
           <a:p>
             <a:fld id="{3F2A6867-7362-42B6-8E05-F21FB867A600}" type="datetimeFigureOut">
               <a:rPr lang="ko-KR" altLang="en-US" smtClean="0"/>
-              <a:t>2024-08-07</a:t>
+              <a:t>2024-08-11</a:t>
             </a:fld>
             <a:endParaRPr lang="ko-KR" altLang="en-US"/>
           </a:p>
@@ -1398,7 +1404,7 @@
           <a:p>
             <a:fld id="{3F2A6867-7362-42B6-8E05-F21FB867A600}" type="datetimeFigureOut">
               <a:rPr lang="ko-KR" altLang="en-US" smtClean="0"/>
-              <a:t>2024-08-07</a:t>
+              <a:t>2024-08-11</a:t>
             </a:fld>
             <a:endParaRPr lang="ko-KR" altLang="en-US"/>
           </a:p>
@@ -1810,7 +1816,7 @@
           <a:p>
             <a:fld id="{3F2A6867-7362-42B6-8E05-F21FB867A600}" type="datetimeFigureOut">
               <a:rPr lang="ko-KR" altLang="en-US" smtClean="0"/>
-              <a:t>2024-08-07</a:t>
+              <a:t>2024-08-11</a:t>
             </a:fld>
             <a:endParaRPr lang="ko-KR" altLang="en-US"/>
           </a:p>
@@ -1951,7 +1957,7 @@
           <a:p>
             <a:fld id="{3F2A6867-7362-42B6-8E05-F21FB867A600}" type="datetimeFigureOut">
               <a:rPr lang="ko-KR" altLang="en-US" smtClean="0"/>
-              <a:t>2024-08-07</a:t>
+              <a:t>2024-08-11</a:t>
             </a:fld>
             <a:endParaRPr lang="ko-KR" altLang="en-US"/>
           </a:p>
@@ -2064,7 +2070,7 @@
           <a:p>
             <a:fld id="{3F2A6867-7362-42B6-8E05-F21FB867A600}" type="datetimeFigureOut">
               <a:rPr lang="ko-KR" altLang="en-US" smtClean="0"/>
-              <a:t>2024-08-07</a:t>
+              <a:t>2024-08-11</a:t>
             </a:fld>
             <a:endParaRPr lang="ko-KR" altLang="en-US"/>
           </a:p>
@@ -2375,7 +2381,7 @@
           <a:p>
             <a:fld id="{3F2A6867-7362-42B6-8E05-F21FB867A600}" type="datetimeFigureOut">
               <a:rPr lang="ko-KR" altLang="en-US" smtClean="0"/>
-              <a:t>2024-08-07</a:t>
+              <a:t>2024-08-11</a:t>
             </a:fld>
             <a:endParaRPr lang="ko-KR" altLang="en-US"/>
           </a:p>
@@ -2663,7 +2669,7 @@
           <a:p>
             <a:fld id="{3F2A6867-7362-42B6-8E05-F21FB867A600}" type="datetimeFigureOut">
               <a:rPr lang="ko-KR" altLang="en-US" smtClean="0"/>
-              <a:t>2024-08-07</a:t>
+              <a:t>2024-08-11</a:t>
             </a:fld>
             <a:endParaRPr lang="ko-KR" altLang="en-US"/>
           </a:p>
@@ -2904,7 +2910,7 @@
           <a:p>
             <a:fld id="{3F2A6867-7362-42B6-8E05-F21FB867A600}" type="datetimeFigureOut">
               <a:rPr lang="ko-KR" altLang="en-US" smtClean="0"/>
-              <a:t>2024-08-07</a:t>
+              <a:t>2024-08-11</a:t>
             </a:fld>
             <a:endParaRPr lang="ko-KR" altLang="en-US"/>
           </a:p>
@@ -3336,9 +3342,9 @@
         <p:grpSpPr>
           <a:xfrm>
             <a:off x="7687690" y="2474184"/>
-            <a:ext cx="3365024" cy="1100257"/>
+            <a:ext cx="3663182" cy="1100257"/>
             <a:chOff x="8516983" y="2426714"/>
-            <a:chExt cx="3365024" cy="1100257"/>
+            <a:chExt cx="3663182" cy="1100257"/>
           </a:xfrm>
         </p:grpSpPr>
         <p:sp>
@@ -3356,7 +3362,7 @@
           <p:spPr>
             <a:xfrm>
               <a:off x="8516983" y="2429691"/>
-              <a:ext cx="3274423" cy="1097280"/>
+              <a:ext cx="3485407" cy="1097280"/>
             </a:xfrm>
             <a:prstGeom prst="rect">
               <a:avLst/>
@@ -3412,7 +3418,7 @@
           <p:spPr>
             <a:xfrm>
               <a:off x="8516983" y="2734491"/>
-              <a:ext cx="3274423" cy="0"/>
+              <a:ext cx="3485407" cy="0"/>
             </a:xfrm>
             <a:prstGeom prst="line">
               <a:avLst/>
@@ -3489,8 +3495,8 @@
           </p:nvSpPr>
           <p:spPr>
             <a:xfrm>
-              <a:off x="8516983" y="2734491"/>
-              <a:ext cx="3365024" cy="307777"/>
+              <a:off x="8516983" y="2789449"/>
+              <a:ext cx="3663182" cy="307777"/>
             </a:xfrm>
             <a:prstGeom prst="rect">
               <a:avLst/>
@@ -3507,11 +3513,8 @@
                 <a:rPr lang="en-US" altLang="ko-KR" sz="1400">
                   <a:latin typeface="Consolas" panose="020B0609020204030204" pitchFamily="49" charset="0"/>
                 </a:rPr>
-                <a:t>SpawnNote(Int32, Single, Single)</a:t>
+                <a:t>+ SpawnNote(Int32, Single, Single)</a:t>
               </a:r>
-              <a:endParaRPr lang="ko-KR" altLang="en-US" sz="1400">
-                <a:latin typeface="Consolas" panose="020B0609020204030204" pitchFamily="49" charset="0"/>
-              </a:endParaRPr>
             </a:p>
           </p:txBody>
         </p:sp>
@@ -4051,7 +4054,46 @@
             <a:lstStyle/>
             <a:p>
               <a:pPr algn="ctr"/>
-              <a:endParaRPr lang="ko-KR" altLang="en-US"/>
+              <a:endParaRPr lang="en-US" altLang="ko-KR" sz="1100">
+                <a:solidFill>
+                  <a:schemeClr val="tx1"/>
+                </a:solidFill>
+              </a:endParaRPr>
+            </a:p>
+            <a:p>
+              <a:pPr algn="ctr"/>
+              <a:endParaRPr lang="en-US" altLang="ko-KR" sz="1100">
+                <a:solidFill>
+                  <a:schemeClr val="tx1"/>
+                </a:solidFill>
+              </a:endParaRPr>
+            </a:p>
+            <a:p>
+              <a:pPr algn="ctr"/>
+              <a:r>
+                <a:rPr lang="ko-KR" altLang="en-US" sz="1100">
+                  <a:solidFill>
+                    <a:schemeClr val="tx1"/>
+                  </a:solidFill>
+                </a:rPr>
+                <a:t>판정선 닿았을 때</a:t>
+              </a:r>
+              <a:r>
+                <a:rPr lang="en-US" altLang="ko-KR" sz="1100">
+                  <a:solidFill>
+                    <a:schemeClr val="tx1"/>
+                  </a:solidFill>
+                </a:rPr>
+                <a:t>, </a:t>
+              </a:r>
+              <a:r>
+                <a:rPr lang="ko-KR" altLang="en-US" sz="1100">
+                  <a:solidFill>
+                    <a:schemeClr val="tx1"/>
+                  </a:solidFill>
+                </a:rPr>
+                <a:t>노트 속도 변경하기</a:t>
+              </a:r>
             </a:p>
           </p:txBody>
         </p:sp>
@@ -4145,6 +4187,7 @@
             </a:extLst>
           </p:cNvPr>
           <p:cNvCxnSpPr>
+            <a:cxnSpLocks/>
             <a:stCxn id="14" idx="0"/>
             <a:endCxn id="4" idx="2"/>
           </p:cNvCxnSpPr>
@@ -4153,7 +4196,7 @@
         <p:spPr>
           <a:xfrm flipV="1">
             <a:off x="7051937" y="3574441"/>
-            <a:ext cx="2272965" cy="555021"/>
+            <a:ext cx="2378457" cy="555021"/>
           </a:xfrm>
           <a:prstGeom prst="straightConnector1">
             <a:avLst/>
@@ -4199,7 +4242,7 @@
         <p:spPr>
           <a:xfrm flipV="1">
             <a:off x="8459257" y="3574441"/>
-            <a:ext cx="865645" cy="859820"/>
+            <a:ext cx="971137" cy="859820"/>
           </a:xfrm>
           <a:prstGeom prst="straightConnector1">
             <a:avLst/>
@@ -4244,8 +4287,8 @@
         </p:nvCxnSpPr>
         <p:spPr>
           <a:xfrm flipH="1" flipV="1">
-            <a:off x="9324902" y="3574441"/>
-            <a:ext cx="583259" cy="858332"/>
+            <a:off x="9430394" y="3574441"/>
+            <a:ext cx="477767" cy="858332"/>
           </a:xfrm>
           <a:prstGeom prst="straightConnector1">
             <a:avLst/>
@@ -4290,8 +4333,8 @@
         </p:nvCxnSpPr>
         <p:spPr>
           <a:xfrm flipH="1" flipV="1">
-            <a:off x="9324902" y="3574441"/>
-            <a:ext cx="2032161" cy="462091"/>
+            <a:off x="9430394" y="3574441"/>
+            <a:ext cx="1926669" cy="462091"/>
           </a:xfrm>
           <a:prstGeom prst="straightConnector1">
             <a:avLst/>
@@ -4449,8 +4492,8 @@
           </p:nvSpPr>
           <p:spPr>
             <a:xfrm>
-              <a:off x="9146968" y="2426714"/>
-              <a:ext cx="2105063" cy="307777"/>
+              <a:off x="8677936" y="2426714"/>
+              <a:ext cx="3043141" cy="276999"/>
             </a:xfrm>
             <a:prstGeom prst="rect">
               <a:avLst/>
@@ -4465,10 +4508,10 @@
             <a:p>
               <a:pPr algn="ctr"/>
               <a:r>
-                <a:rPr lang="en-US" altLang="ko-KR" sz="1400"/>
-                <a:t>GameOptionMemorizer</a:t>
+                <a:rPr lang="en-US" altLang="ko-KR" sz="1200"/>
+                <a:t>GameOptionMemorizer : MonoSingleton</a:t>
               </a:r>
-              <a:endParaRPr lang="ko-KR" altLang="en-US" sz="1400"/>
+              <a:endParaRPr lang="ko-KR" altLang="en-US" sz="1200"/>
             </a:p>
           </p:txBody>
         </p:sp>
@@ -4573,8 +4616,8 @@
         </p:nvSpPr>
         <p:spPr>
           <a:xfrm>
-            <a:off x="105145" y="1070020"/>
-            <a:ext cx="4318811" cy="276999"/>
+            <a:off x="105145" y="897765"/>
+            <a:ext cx="4318810" cy="461665"/>
           </a:xfrm>
           <a:prstGeom prst="rect">
             <a:avLst/>
@@ -4582,7 +4625,7 @@
           <a:noFill/>
         </p:spPr>
         <p:txBody>
-          <a:bodyPr wrap="none" rtlCol="0">
+          <a:bodyPr wrap="square" rtlCol="0">
             <a:spAutoFit/>
           </a:bodyPr>
           <a:lstStyle/>
@@ -4605,13 +4648,504 @@
               </a:rPr>
               <a:t>통하는 ☆마스터☆ 객체</a:t>
             </a:r>
-          </a:p>
-        </p:txBody>
-      </p:sp>
+            <a:endParaRPr lang="en-US" altLang="ko-KR" sz="1200">
+              <a:latin typeface="Consolas" panose="020B0609020204030204" pitchFamily="49" charset="0"/>
+            </a:endParaRPr>
+          </a:p>
+          <a:p>
+            <a:r>
+              <a:rPr lang="ko-KR" altLang="en-US" sz="1200">
+                <a:latin typeface="Consolas" panose="020B0609020204030204" pitchFamily="49" charset="0"/>
+              </a:rPr>
+              <a:t>나중에 분리해야할 필요성이 보임</a:t>
+            </a:r>
+            <a:endParaRPr lang="en-US" altLang="ko-KR" sz="1200">
+              <a:latin typeface="Consolas" panose="020B0609020204030204" pitchFamily="49" charset="0"/>
+            </a:endParaRPr>
+          </a:p>
+        </p:txBody>
+      </p:sp>
+      <p:grpSp>
+        <p:nvGrpSpPr>
+          <p:cNvPr id="35" name="그룹 34">
+            <a:extLst>
+              <a:ext uri="{FF2B5EF4-FFF2-40B4-BE49-F238E27FC236}">
+                <a16:creationId xmlns:a16="http://schemas.microsoft.com/office/drawing/2014/main" id="{F72D8C82-447A-23D6-966B-50E6B42E3128}"/>
+              </a:ext>
+            </a:extLst>
+          </p:cNvPr>
+          <p:cNvGrpSpPr/>
+          <p:nvPr/>
+        </p:nvGrpSpPr>
+        <p:grpSpPr>
+          <a:xfrm>
+            <a:off x="4714755" y="1251959"/>
+            <a:ext cx="3861955" cy="1100257"/>
+            <a:chOff x="8516983" y="2426714"/>
+            <a:chExt cx="3861955" cy="1100257"/>
+          </a:xfrm>
+        </p:grpSpPr>
+        <p:sp>
+          <p:nvSpPr>
+            <p:cNvPr id="36" name="직사각형 35">
+              <a:extLst>
+                <a:ext uri="{FF2B5EF4-FFF2-40B4-BE49-F238E27FC236}">
+                  <a16:creationId xmlns:a16="http://schemas.microsoft.com/office/drawing/2014/main" id="{23CEB364-FAD3-B1D8-0E5C-8CEA90604CBB}"/>
+                </a:ext>
+              </a:extLst>
+            </p:cNvPr>
+            <p:cNvSpPr/>
+            <p:nvPr/>
+          </p:nvSpPr>
+          <p:spPr>
+            <a:xfrm>
+              <a:off x="8516983" y="2429691"/>
+              <a:ext cx="3861955" cy="1097280"/>
+            </a:xfrm>
+            <a:prstGeom prst="rect">
+              <a:avLst/>
+            </a:prstGeom>
+            <a:solidFill>
+              <a:schemeClr val="bg1"/>
+            </a:solidFill>
+            <a:ln>
+              <a:solidFill>
+                <a:schemeClr val="tx1"/>
+              </a:solidFill>
+            </a:ln>
+          </p:spPr>
+          <p:style>
+            <a:lnRef idx="2">
+              <a:schemeClr val="accent1">
+                <a:shade val="15000"/>
+              </a:schemeClr>
+            </a:lnRef>
+            <a:fillRef idx="1">
+              <a:schemeClr val="accent1"/>
+            </a:fillRef>
+            <a:effectRef idx="0">
+              <a:schemeClr val="accent1"/>
+            </a:effectRef>
+            <a:fontRef idx="minor">
+              <a:schemeClr val="lt1"/>
+            </a:fontRef>
+          </p:style>
+          <p:txBody>
+            <a:bodyPr rtlCol="0" anchor="ctr"/>
+            <a:lstStyle/>
+            <a:p>
+              <a:pPr algn="ctr"/>
+              <a:endParaRPr lang="ko-KR" altLang="en-US"/>
+            </a:p>
+          </p:txBody>
+        </p:sp>
+        <p:cxnSp>
+          <p:nvCxnSpPr>
+            <p:cNvPr id="38" name="직선 연결선 37">
+              <a:extLst>
+                <a:ext uri="{FF2B5EF4-FFF2-40B4-BE49-F238E27FC236}">
+                  <a16:creationId xmlns:a16="http://schemas.microsoft.com/office/drawing/2014/main" id="{3BDC74AB-A179-FD63-4703-C16F5F9015FF}"/>
+                </a:ext>
+              </a:extLst>
+            </p:cNvPr>
+            <p:cNvCxnSpPr>
+              <a:cxnSpLocks/>
+            </p:cNvCxnSpPr>
+            <p:nvPr/>
+          </p:nvCxnSpPr>
+          <p:spPr>
+            <a:xfrm>
+              <a:off x="8516983" y="2734491"/>
+              <a:ext cx="3861955" cy="0"/>
+            </a:xfrm>
+            <a:prstGeom prst="line">
+              <a:avLst/>
+            </a:prstGeom>
+            <a:ln>
+              <a:solidFill>
+                <a:schemeClr val="tx1"/>
+              </a:solidFill>
+            </a:ln>
+          </p:spPr>
+          <p:style>
+            <a:lnRef idx="2">
+              <a:schemeClr val="accent1"/>
+            </a:lnRef>
+            <a:fillRef idx="0">
+              <a:schemeClr val="accent1"/>
+            </a:fillRef>
+            <a:effectRef idx="1">
+              <a:schemeClr val="accent1"/>
+            </a:effectRef>
+            <a:fontRef idx="minor">
+              <a:schemeClr val="tx1"/>
+            </a:fontRef>
+          </p:style>
+        </p:cxnSp>
+        <p:sp>
+          <p:nvSpPr>
+            <p:cNvPr id="39" name="TextBox 38">
+              <a:extLst>
+                <a:ext uri="{FF2B5EF4-FFF2-40B4-BE49-F238E27FC236}">
+                  <a16:creationId xmlns:a16="http://schemas.microsoft.com/office/drawing/2014/main" id="{3A9C4229-BC43-B2C8-5C5D-82C4C59AF440}"/>
+                </a:ext>
+              </a:extLst>
+            </p:cNvPr>
+            <p:cNvSpPr txBox="1"/>
+            <p:nvPr/>
+          </p:nvSpPr>
+          <p:spPr>
+            <a:xfrm>
+              <a:off x="9657997" y="2426714"/>
+              <a:ext cx="1588898" cy="307777"/>
+            </a:xfrm>
+            <a:prstGeom prst="rect">
+              <a:avLst/>
+            </a:prstGeom>
+            <a:noFill/>
+          </p:spPr>
+          <p:txBody>
+            <a:bodyPr wrap="none" rtlCol="0">
+              <a:spAutoFit/>
+            </a:bodyPr>
+            <a:lstStyle/>
+            <a:p>
+              <a:pPr algn="ctr"/>
+              <a:r>
+                <a:rPr lang="en-US" altLang="ko-KR" sz="1400"/>
+                <a:t>PopNoteSpawner</a:t>
+              </a:r>
+              <a:endParaRPr lang="ko-KR" altLang="en-US" sz="1400"/>
+            </a:p>
+          </p:txBody>
+        </p:sp>
+        <p:sp>
+          <p:nvSpPr>
+            <p:cNvPr id="41" name="TextBox 40">
+              <a:extLst>
+                <a:ext uri="{FF2B5EF4-FFF2-40B4-BE49-F238E27FC236}">
+                  <a16:creationId xmlns:a16="http://schemas.microsoft.com/office/drawing/2014/main" id="{CED2EE10-0643-BDB1-6A29-690D9D1E739A}"/>
+                </a:ext>
+              </a:extLst>
+            </p:cNvPr>
+            <p:cNvSpPr txBox="1"/>
+            <p:nvPr/>
+          </p:nvSpPr>
+          <p:spPr>
+            <a:xfrm>
+              <a:off x="8516983" y="2789449"/>
+              <a:ext cx="3861955" cy="307777"/>
+            </a:xfrm>
+            <a:prstGeom prst="rect">
+              <a:avLst/>
+            </a:prstGeom>
+            <a:noFill/>
+          </p:spPr>
+          <p:txBody>
+            <a:bodyPr wrap="none" rtlCol="0">
+              <a:spAutoFit/>
+            </a:bodyPr>
+            <a:lstStyle/>
+            <a:p>
+              <a:r>
+                <a:rPr lang="en-US" altLang="ko-KR" sz="1400">
+                  <a:latin typeface="Consolas" panose="020B0609020204030204" pitchFamily="49" charset="0"/>
+                </a:rPr>
+                <a:t>+ StartSpawning(List&lt;NoteData&gt; notes)</a:t>
+              </a:r>
+            </a:p>
+          </p:txBody>
+        </p:sp>
+      </p:grpSp>
     </p:spTree>
     <p:extLst>
       <p:ext uri="{BB962C8B-B14F-4D97-AF65-F5344CB8AC3E}">
         <p14:creationId xmlns:p14="http://schemas.microsoft.com/office/powerpoint/2010/main" val="1428114484"/>
+      </p:ext>
+    </p:extLst>
+  </p:cSld>
+  <p:clrMapOvr>
+    <a:masterClrMapping/>
+  </p:clrMapOvr>
+</p:sld>
+</file>
+
+<file path=ppt/slides/slide2.xml><?xml version="1.0" encoding="utf-8"?>
+<p:sld xmlns:a="http://schemas.openxmlformats.org/drawingml/2006/main" xmlns:r="http://schemas.openxmlformats.org/officeDocument/2006/relationships" xmlns:p="http://schemas.openxmlformats.org/presentationml/2006/main">
+  <p:cSld>
+    <p:spTree>
+      <p:nvGrpSpPr>
+        <p:cNvPr id="1" name=""/>
+        <p:cNvGrpSpPr/>
+        <p:nvPr/>
+      </p:nvGrpSpPr>
+      <p:grpSpPr>
+        <a:xfrm>
+          <a:off x="0" y="0"/>
+          <a:ext cx="0" cy="0"/>
+          <a:chOff x="0" y="0"/>
+          <a:chExt cx="0" cy="0"/>
+        </a:xfrm>
+      </p:grpSpPr>
+      <p:pic>
+        <p:nvPicPr>
+          <p:cNvPr id="11" name="그림 10">
+            <a:extLst>
+              <a:ext uri="{FF2B5EF4-FFF2-40B4-BE49-F238E27FC236}">
+                <a16:creationId xmlns:a16="http://schemas.microsoft.com/office/drawing/2014/main" id="{D97DC8B6-3547-B86F-BD4D-84BBC35FCE9D}"/>
+              </a:ext>
+            </a:extLst>
+          </p:cNvPr>
+          <p:cNvPicPr>
+            <a:picLocks noChangeAspect="1"/>
+          </p:cNvPicPr>
+          <p:nvPr/>
+        </p:nvPicPr>
+        <p:blipFill>
+          <a:blip r:embed="rId2"/>
+          <a:stretch>
+            <a:fillRect/>
+          </a:stretch>
+        </p:blipFill>
+        <p:spPr>
+          <a:xfrm>
+            <a:off x="7999600" y="1947002"/>
+            <a:ext cx="4036890" cy="2323052"/>
+          </a:xfrm>
+          <a:prstGeom prst="rect">
+            <a:avLst/>
+          </a:prstGeom>
+        </p:spPr>
+      </p:pic>
+      <p:pic>
+        <p:nvPicPr>
+          <p:cNvPr id="9" name="그림 8">
+            <a:extLst>
+              <a:ext uri="{FF2B5EF4-FFF2-40B4-BE49-F238E27FC236}">
+                <a16:creationId xmlns:a16="http://schemas.microsoft.com/office/drawing/2014/main" id="{8E2DB1C4-3894-4E2C-5E0A-F2831DF0A12A}"/>
+              </a:ext>
+            </a:extLst>
+          </p:cNvPr>
+          <p:cNvPicPr>
+            <a:picLocks noChangeAspect="1"/>
+          </p:cNvPicPr>
+          <p:nvPr/>
+        </p:nvPicPr>
+        <p:blipFill>
+          <a:blip r:embed="rId3"/>
+          <a:stretch>
+            <a:fillRect/>
+          </a:stretch>
+        </p:blipFill>
+        <p:spPr>
+          <a:xfrm>
+            <a:off x="5527947" y="1944262"/>
+            <a:ext cx="2851793" cy="852183"/>
+          </a:xfrm>
+          <a:prstGeom prst="rect">
+            <a:avLst/>
+          </a:prstGeom>
+        </p:spPr>
+      </p:pic>
+      <p:pic>
+        <p:nvPicPr>
+          <p:cNvPr id="7" name="그림 6">
+            <a:extLst>
+              <a:ext uri="{FF2B5EF4-FFF2-40B4-BE49-F238E27FC236}">
+                <a16:creationId xmlns:a16="http://schemas.microsoft.com/office/drawing/2014/main" id="{EDA3025E-3A6F-7CF0-F1EF-2A143A47692F}"/>
+              </a:ext>
+            </a:extLst>
+          </p:cNvPr>
+          <p:cNvPicPr>
+            <a:picLocks noChangeAspect="1"/>
+          </p:cNvPicPr>
+          <p:nvPr/>
+        </p:nvPicPr>
+        <p:blipFill>
+          <a:blip r:embed="rId4"/>
+          <a:stretch>
+            <a:fillRect/>
+          </a:stretch>
+        </p:blipFill>
+        <p:spPr>
+          <a:xfrm>
+            <a:off x="5490846" y="4331014"/>
+            <a:ext cx="2925995" cy="1958674"/>
+          </a:xfrm>
+          <a:prstGeom prst="rect">
+            <a:avLst/>
+          </a:prstGeom>
+        </p:spPr>
+      </p:pic>
+      <p:pic>
+        <p:nvPicPr>
+          <p:cNvPr id="13" name="그림 12">
+            <a:extLst>
+              <a:ext uri="{FF2B5EF4-FFF2-40B4-BE49-F238E27FC236}">
+                <a16:creationId xmlns:a16="http://schemas.microsoft.com/office/drawing/2014/main" id="{8BF4BBCF-AAA4-D199-A938-24969FA63521}"/>
+              </a:ext>
+            </a:extLst>
+          </p:cNvPr>
+          <p:cNvPicPr>
+            <a:picLocks noChangeAspect="1"/>
+          </p:cNvPicPr>
+          <p:nvPr/>
+        </p:nvPicPr>
+        <p:blipFill>
+          <a:blip r:embed="rId5"/>
+          <a:stretch>
+            <a:fillRect/>
+          </a:stretch>
+        </p:blipFill>
+        <p:spPr>
+          <a:xfrm>
+            <a:off x="155510" y="1751141"/>
+            <a:ext cx="2676899" cy="1238423"/>
+          </a:xfrm>
+          <a:prstGeom prst="rect">
+            <a:avLst/>
+          </a:prstGeom>
+        </p:spPr>
+      </p:pic>
+      <p:cxnSp>
+        <p:nvCxnSpPr>
+          <p:cNvPr id="15" name="직선 화살표 연결선 14">
+            <a:extLst>
+              <a:ext uri="{FF2B5EF4-FFF2-40B4-BE49-F238E27FC236}">
+                <a16:creationId xmlns:a16="http://schemas.microsoft.com/office/drawing/2014/main" id="{89EA0CE2-B15F-2C40-03C5-DE11473775F5}"/>
+              </a:ext>
+            </a:extLst>
+          </p:cNvPr>
+          <p:cNvCxnSpPr>
+            <a:stCxn id="13" idx="3"/>
+            <a:endCxn id="9" idx="1"/>
+          </p:cNvCxnSpPr>
+          <p:nvPr/>
+        </p:nvCxnSpPr>
+        <p:spPr>
+          <a:xfrm>
+            <a:off x="2832409" y="2370353"/>
+            <a:ext cx="2695538" cy="1"/>
+          </a:xfrm>
+          <a:prstGeom prst="straightConnector1">
+            <a:avLst/>
+          </a:prstGeom>
+          <a:ln>
+            <a:solidFill>
+              <a:schemeClr val="tx1"/>
+            </a:solidFill>
+            <a:tailEnd type="triangle"/>
+          </a:ln>
+        </p:spPr>
+        <p:style>
+          <a:lnRef idx="2">
+            <a:schemeClr val="accent1"/>
+          </a:lnRef>
+          <a:fillRef idx="0">
+            <a:schemeClr val="accent1"/>
+          </a:fillRef>
+          <a:effectRef idx="1">
+            <a:schemeClr val="accent1"/>
+          </a:effectRef>
+          <a:fontRef idx="minor">
+            <a:schemeClr val="tx1"/>
+          </a:fontRef>
+        </p:style>
+      </p:cxnSp>
+      <p:cxnSp>
+        <p:nvCxnSpPr>
+          <p:cNvPr id="16" name="직선 화살표 연결선 15">
+            <a:extLst>
+              <a:ext uri="{FF2B5EF4-FFF2-40B4-BE49-F238E27FC236}">
+                <a16:creationId xmlns:a16="http://schemas.microsoft.com/office/drawing/2014/main" id="{5BE31F59-0A6A-C4AC-9953-364E94C9AD99}"/>
+              </a:ext>
+            </a:extLst>
+          </p:cNvPr>
+          <p:cNvCxnSpPr>
+            <a:cxnSpLocks/>
+          </p:cNvCxnSpPr>
+          <p:nvPr/>
+        </p:nvCxnSpPr>
+        <p:spPr>
+          <a:xfrm>
+            <a:off x="8360869" y="2370352"/>
+            <a:ext cx="574125" cy="0"/>
+          </a:xfrm>
+          <a:prstGeom prst="straightConnector1">
+            <a:avLst/>
+          </a:prstGeom>
+          <a:ln>
+            <a:solidFill>
+              <a:schemeClr val="tx1"/>
+            </a:solidFill>
+            <a:tailEnd type="triangle"/>
+          </a:ln>
+        </p:spPr>
+        <p:style>
+          <a:lnRef idx="2">
+            <a:schemeClr val="accent1"/>
+          </a:lnRef>
+          <a:fillRef idx="0">
+            <a:schemeClr val="accent1"/>
+          </a:fillRef>
+          <a:effectRef idx="1">
+            <a:schemeClr val="accent1"/>
+          </a:effectRef>
+          <a:fontRef idx="minor">
+            <a:schemeClr val="tx1"/>
+          </a:fontRef>
+        </p:style>
+      </p:cxnSp>
+      <p:cxnSp>
+        <p:nvCxnSpPr>
+          <p:cNvPr id="18" name="직선 화살표 연결선 17">
+            <a:extLst>
+              <a:ext uri="{FF2B5EF4-FFF2-40B4-BE49-F238E27FC236}">
+                <a16:creationId xmlns:a16="http://schemas.microsoft.com/office/drawing/2014/main" id="{0865B480-C08D-1933-E7E8-00B999C73BC5}"/>
+              </a:ext>
+            </a:extLst>
+          </p:cNvPr>
+          <p:cNvCxnSpPr>
+            <a:cxnSpLocks/>
+            <a:stCxn id="7" idx="0"/>
+            <a:endCxn id="9" idx="2"/>
+          </p:cNvCxnSpPr>
+          <p:nvPr/>
+        </p:nvCxnSpPr>
+        <p:spPr>
+          <a:xfrm flipV="1">
+            <a:off x="6953844" y="2796445"/>
+            <a:ext cx="0" cy="1534569"/>
+          </a:xfrm>
+          <a:prstGeom prst="straightConnector1">
+            <a:avLst/>
+          </a:prstGeom>
+          <a:ln>
+            <a:solidFill>
+              <a:schemeClr val="tx1"/>
+            </a:solidFill>
+            <a:tailEnd type="triangle"/>
+          </a:ln>
+        </p:spPr>
+        <p:style>
+          <a:lnRef idx="2">
+            <a:schemeClr val="accent1"/>
+          </a:lnRef>
+          <a:fillRef idx="0">
+            <a:schemeClr val="accent1"/>
+          </a:fillRef>
+          <a:effectRef idx="1">
+            <a:schemeClr val="accent1"/>
+          </a:effectRef>
+          <a:fontRef idx="minor">
+            <a:schemeClr val="tx1"/>
+          </a:fontRef>
+        </p:style>
+      </p:cxnSp>
+    </p:spTree>
+    <p:extLst>
+      <p:ext uri="{BB962C8B-B14F-4D97-AF65-F5344CB8AC3E}">
+        <p14:creationId xmlns:p14="http://schemas.microsoft.com/office/powerpoint/2010/main" val="3021981046"/>
       </p:ext>
     </p:extLst>
   </p:cSld>

--- a/Structure.pptx
+++ b/Structure.pptx
@@ -7,6 +7,8 @@
   <p:sldIdLst>
     <p:sldId id="256" r:id="rId2"/>
     <p:sldId id="257" r:id="rId3"/>
+    <p:sldId id="258" r:id="rId4"/>
+    <p:sldId id="259" r:id="rId5"/>
   </p:sldIdLst>
   <p:sldSz cx="12192000" cy="6858000"/>
   <p:notesSz cx="6858000" cy="9144000"/>
@@ -260,7 +262,7 @@
           <a:p>
             <a:fld id="{3F2A6867-7362-42B6-8E05-F21FB867A600}" type="datetimeFigureOut">
               <a:rPr lang="ko-KR" altLang="en-US" smtClean="0"/>
-              <a:t>2024-08-11</a:t>
+              <a:t>2024-09-12</a:t>
             </a:fld>
             <a:endParaRPr lang="ko-KR" altLang="en-US"/>
           </a:p>
@@ -458,7 +460,7 @@
           <a:p>
             <a:fld id="{3F2A6867-7362-42B6-8E05-F21FB867A600}" type="datetimeFigureOut">
               <a:rPr lang="ko-KR" altLang="en-US" smtClean="0"/>
-              <a:t>2024-08-11</a:t>
+              <a:t>2024-09-12</a:t>
             </a:fld>
             <a:endParaRPr lang="ko-KR" altLang="en-US"/>
           </a:p>
@@ -666,7 +668,7 @@
           <a:p>
             <a:fld id="{3F2A6867-7362-42B6-8E05-F21FB867A600}" type="datetimeFigureOut">
               <a:rPr lang="ko-KR" altLang="en-US" smtClean="0"/>
-              <a:t>2024-08-11</a:t>
+              <a:t>2024-09-12</a:t>
             </a:fld>
             <a:endParaRPr lang="ko-KR" altLang="en-US"/>
           </a:p>
@@ -864,7 +866,7 @@
           <a:p>
             <a:fld id="{3F2A6867-7362-42B6-8E05-F21FB867A600}" type="datetimeFigureOut">
               <a:rPr lang="ko-KR" altLang="en-US" smtClean="0"/>
-              <a:t>2024-08-11</a:t>
+              <a:t>2024-09-12</a:t>
             </a:fld>
             <a:endParaRPr lang="ko-KR" altLang="en-US"/>
           </a:p>
@@ -1139,7 +1141,7 @@
           <a:p>
             <a:fld id="{3F2A6867-7362-42B6-8E05-F21FB867A600}" type="datetimeFigureOut">
               <a:rPr lang="ko-KR" altLang="en-US" smtClean="0"/>
-              <a:t>2024-08-11</a:t>
+              <a:t>2024-09-12</a:t>
             </a:fld>
             <a:endParaRPr lang="ko-KR" altLang="en-US"/>
           </a:p>
@@ -1404,7 +1406,7 @@
           <a:p>
             <a:fld id="{3F2A6867-7362-42B6-8E05-F21FB867A600}" type="datetimeFigureOut">
               <a:rPr lang="ko-KR" altLang="en-US" smtClean="0"/>
-              <a:t>2024-08-11</a:t>
+              <a:t>2024-09-12</a:t>
             </a:fld>
             <a:endParaRPr lang="ko-KR" altLang="en-US"/>
           </a:p>
@@ -1816,7 +1818,7 @@
           <a:p>
             <a:fld id="{3F2A6867-7362-42B6-8E05-F21FB867A600}" type="datetimeFigureOut">
               <a:rPr lang="ko-KR" altLang="en-US" smtClean="0"/>
-              <a:t>2024-08-11</a:t>
+              <a:t>2024-09-12</a:t>
             </a:fld>
             <a:endParaRPr lang="ko-KR" altLang="en-US"/>
           </a:p>
@@ -1957,7 +1959,7 @@
           <a:p>
             <a:fld id="{3F2A6867-7362-42B6-8E05-F21FB867A600}" type="datetimeFigureOut">
               <a:rPr lang="ko-KR" altLang="en-US" smtClean="0"/>
-              <a:t>2024-08-11</a:t>
+              <a:t>2024-09-12</a:t>
             </a:fld>
             <a:endParaRPr lang="ko-KR" altLang="en-US"/>
           </a:p>
@@ -2070,7 +2072,7 @@
           <a:p>
             <a:fld id="{3F2A6867-7362-42B6-8E05-F21FB867A600}" type="datetimeFigureOut">
               <a:rPr lang="ko-KR" altLang="en-US" smtClean="0"/>
-              <a:t>2024-08-11</a:t>
+              <a:t>2024-09-12</a:t>
             </a:fld>
             <a:endParaRPr lang="ko-KR" altLang="en-US"/>
           </a:p>
@@ -2381,7 +2383,7 @@
           <a:p>
             <a:fld id="{3F2A6867-7362-42B6-8E05-F21FB867A600}" type="datetimeFigureOut">
               <a:rPr lang="ko-KR" altLang="en-US" smtClean="0"/>
-              <a:t>2024-08-11</a:t>
+              <a:t>2024-09-12</a:t>
             </a:fld>
             <a:endParaRPr lang="ko-KR" altLang="en-US"/>
           </a:p>
@@ -2669,7 +2671,7 @@
           <a:p>
             <a:fld id="{3F2A6867-7362-42B6-8E05-F21FB867A600}" type="datetimeFigureOut">
               <a:rPr lang="ko-KR" altLang="en-US" smtClean="0"/>
-              <a:t>2024-08-11</a:t>
+              <a:t>2024-09-12</a:t>
             </a:fld>
             <a:endParaRPr lang="ko-KR" altLang="en-US"/>
           </a:p>
@@ -2910,7 +2912,7 @@
           <a:p>
             <a:fld id="{3F2A6867-7362-42B6-8E05-F21FB867A600}" type="datetimeFigureOut">
               <a:rPr lang="ko-KR" altLang="en-US" smtClean="0"/>
-              <a:t>2024-08-11</a:t>
+              <a:t>2024-09-12</a:t>
             </a:fld>
             <a:endParaRPr lang="ko-KR" altLang="en-US"/>
           </a:p>
@@ -5155,6 +5157,1234 @@
 </p:sld>
 </file>
 
+<file path=ppt/slides/slide3.xml><?xml version="1.0" encoding="utf-8"?>
+<p:sld xmlns:a="http://schemas.openxmlformats.org/drawingml/2006/main" xmlns:r="http://schemas.openxmlformats.org/officeDocument/2006/relationships" xmlns:p="http://schemas.openxmlformats.org/presentationml/2006/main">
+  <p:cSld>
+    <p:spTree>
+      <p:nvGrpSpPr>
+        <p:cNvPr id="1" name=""/>
+        <p:cNvGrpSpPr/>
+        <p:nvPr/>
+      </p:nvGrpSpPr>
+      <p:grpSpPr>
+        <a:xfrm>
+          <a:off x="0" y="0"/>
+          <a:ext cx="0" cy="0"/>
+          <a:chOff x="0" y="0"/>
+          <a:chExt cx="0" cy="0"/>
+        </a:xfrm>
+      </p:grpSpPr>
+      <p:sp>
+        <p:nvSpPr>
+          <p:cNvPr id="6" name="직사각형 5">
+            <a:extLst>
+              <a:ext uri="{FF2B5EF4-FFF2-40B4-BE49-F238E27FC236}">
+                <a16:creationId xmlns:a16="http://schemas.microsoft.com/office/drawing/2014/main" id="{108DDF72-6C07-058B-A122-C42FAB3140B2}"/>
+              </a:ext>
+            </a:extLst>
+          </p:cNvPr>
+          <p:cNvSpPr/>
+          <p:nvPr/>
+        </p:nvSpPr>
+        <p:spPr>
+          <a:xfrm>
+            <a:off x="893196" y="4339425"/>
+            <a:ext cx="4746929" cy="2232329"/>
+          </a:xfrm>
+          <a:prstGeom prst="rect">
+            <a:avLst/>
+          </a:prstGeom>
+          <a:solidFill>
+            <a:schemeClr val="bg1"/>
+          </a:solidFill>
+          <a:ln>
+            <a:solidFill>
+              <a:schemeClr val="tx1"/>
+            </a:solidFill>
+          </a:ln>
+        </p:spPr>
+        <p:style>
+          <a:lnRef idx="2">
+            <a:schemeClr val="accent1">
+              <a:shade val="15000"/>
+            </a:schemeClr>
+          </a:lnRef>
+          <a:fillRef idx="1">
+            <a:schemeClr val="accent1"/>
+          </a:fillRef>
+          <a:effectRef idx="0">
+            <a:schemeClr val="accent1"/>
+          </a:effectRef>
+          <a:fontRef idx="minor">
+            <a:schemeClr val="lt1"/>
+          </a:fontRef>
+        </p:style>
+        <p:txBody>
+          <a:bodyPr rtlCol="0" anchor="ctr"/>
+          <a:lstStyle/>
+          <a:p>
+            <a:pPr algn="ctr"/>
+            <a:r>
+              <a:rPr lang="ko-KR" altLang="en-US" dirty="0">
+                <a:solidFill>
+                  <a:schemeClr val="tx1"/>
+                </a:solidFill>
+              </a:rPr>
+              <a:t>시스템</a:t>
+            </a:r>
+            <a:endParaRPr lang="en-US" altLang="ko-KR" dirty="0">
+              <a:solidFill>
+                <a:schemeClr val="tx1"/>
+              </a:solidFill>
+            </a:endParaRPr>
+          </a:p>
+          <a:p>
+            <a:pPr algn="ctr"/>
+            <a:r>
+              <a:rPr lang="ko-KR" altLang="en-US" sz="1400" dirty="0">
+                <a:solidFill>
+                  <a:schemeClr val="tx1"/>
+                </a:solidFill>
+              </a:rPr>
+              <a:t>채보 읽기</a:t>
+            </a:r>
+            <a:r>
+              <a:rPr lang="en-US" altLang="ko-KR" sz="1400" dirty="0">
+                <a:solidFill>
+                  <a:schemeClr val="tx1"/>
+                </a:solidFill>
+              </a:rPr>
+              <a:t>, </a:t>
+            </a:r>
+            <a:r>
+              <a:rPr lang="ko-KR" altLang="en-US" sz="1400" dirty="0">
+                <a:solidFill>
+                  <a:schemeClr val="tx1"/>
+                </a:solidFill>
+              </a:rPr>
+              <a:t>입력</a:t>
+            </a:r>
+            <a:r>
+              <a:rPr lang="en-US" altLang="ko-KR" sz="1400" dirty="0">
+                <a:solidFill>
+                  <a:schemeClr val="tx1"/>
+                </a:solidFill>
+              </a:rPr>
+              <a:t>, </a:t>
+            </a:r>
+            <a:r>
+              <a:rPr lang="ko-KR" altLang="en-US" sz="1400" dirty="0">
+                <a:solidFill>
+                  <a:schemeClr val="tx1"/>
+                </a:solidFill>
+              </a:rPr>
+              <a:t>타이밍 감지</a:t>
+            </a:r>
+            <a:r>
+              <a:rPr lang="en-US" altLang="ko-KR" sz="1400" dirty="0">
+                <a:solidFill>
+                  <a:schemeClr val="tx1"/>
+                </a:solidFill>
+              </a:rPr>
+              <a:t> </a:t>
+            </a:r>
+            <a:r>
+              <a:rPr lang="ko-KR" altLang="en-US" sz="1400" dirty="0">
+                <a:solidFill>
+                  <a:schemeClr val="tx1"/>
+                </a:solidFill>
+              </a:rPr>
+              <a:t>등</a:t>
+            </a:r>
+            <a:endParaRPr lang="en-US" altLang="ko-KR" sz="1400" dirty="0">
+              <a:solidFill>
+                <a:schemeClr val="tx1"/>
+              </a:solidFill>
+            </a:endParaRPr>
+          </a:p>
+          <a:p>
+            <a:pPr algn="ctr"/>
+            <a:r>
+              <a:rPr lang="ko-KR" altLang="en-US" sz="1400" dirty="0">
+                <a:solidFill>
+                  <a:schemeClr val="tx1"/>
+                </a:solidFill>
+              </a:rPr>
+              <a:t>게임에서 안보이는 부분을 담당</a:t>
+            </a:r>
+          </a:p>
+        </p:txBody>
+      </p:sp>
+      <p:sp>
+        <p:nvSpPr>
+          <p:cNvPr id="8" name="직사각형 7">
+            <a:extLst>
+              <a:ext uri="{FF2B5EF4-FFF2-40B4-BE49-F238E27FC236}">
+                <a16:creationId xmlns:a16="http://schemas.microsoft.com/office/drawing/2014/main" id="{03DD0EE5-AF69-5203-7761-EBF41879AB39}"/>
+              </a:ext>
+            </a:extLst>
+          </p:cNvPr>
+          <p:cNvSpPr/>
+          <p:nvPr/>
+        </p:nvSpPr>
+        <p:spPr>
+          <a:xfrm>
+            <a:off x="1431234" y="122584"/>
+            <a:ext cx="5876015" cy="1849339"/>
+          </a:xfrm>
+          <a:prstGeom prst="rect">
+            <a:avLst/>
+          </a:prstGeom>
+          <a:solidFill>
+            <a:schemeClr val="bg1"/>
+          </a:solidFill>
+          <a:ln>
+            <a:solidFill>
+              <a:schemeClr val="tx1"/>
+            </a:solidFill>
+          </a:ln>
+        </p:spPr>
+        <p:style>
+          <a:lnRef idx="2">
+            <a:schemeClr val="accent1">
+              <a:shade val="15000"/>
+            </a:schemeClr>
+          </a:lnRef>
+          <a:fillRef idx="1">
+            <a:schemeClr val="accent1"/>
+          </a:fillRef>
+          <a:effectRef idx="0">
+            <a:schemeClr val="accent1"/>
+          </a:effectRef>
+          <a:fontRef idx="minor">
+            <a:schemeClr val="lt1"/>
+          </a:fontRef>
+        </p:style>
+        <p:txBody>
+          <a:bodyPr rtlCol="0" anchor="ctr"/>
+          <a:lstStyle/>
+          <a:p>
+            <a:pPr algn="ctr"/>
+            <a:r>
+              <a:rPr lang="ko-KR" altLang="en-US" dirty="0">
+                <a:solidFill>
+                  <a:schemeClr val="tx1"/>
+                </a:solidFill>
+              </a:rPr>
+              <a:t>연출</a:t>
+            </a:r>
+            <a:endParaRPr lang="en-US" altLang="ko-KR" dirty="0">
+              <a:solidFill>
+                <a:schemeClr val="tx1"/>
+              </a:solidFill>
+            </a:endParaRPr>
+          </a:p>
+          <a:p>
+            <a:pPr algn="ctr"/>
+            <a:r>
+              <a:rPr lang="ko-KR" altLang="en-US" sz="1400" dirty="0">
+                <a:solidFill>
+                  <a:schemeClr val="tx1"/>
+                </a:solidFill>
+              </a:rPr>
+              <a:t>받아온 타이밍 정보를 바탕으로</a:t>
+            </a:r>
+            <a:endParaRPr lang="en-US" altLang="ko-KR" sz="1400" dirty="0">
+              <a:solidFill>
+                <a:schemeClr val="tx1"/>
+              </a:solidFill>
+            </a:endParaRPr>
+          </a:p>
+          <a:p>
+            <a:pPr algn="ctr"/>
+            <a:r>
+              <a:rPr lang="ko-KR" altLang="en-US" sz="1400" dirty="0">
+                <a:solidFill>
+                  <a:schemeClr val="tx1"/>
+                </a:solidFill>
+              </a:rPr>
+              <a:t>알맞은 위치에 노트를 생성</a:t>
+            </a:r>
+            <a:r>
+              <a:rPr lang="en-US" altLang="ko-KR" sz="1400" dirty="0">
+                <a:solidFill>
+                  <a:schemeClr val="tx1"/>
+                </a:solidFill>
+              </a:rPr>
+              <a:t>, </a:t>
+            </a:r>
+            <a:r>
+              <a:rPr lang="ko-KR" altLang="en-US" sz="1400" dirty="0">
+                <a:solidFill>
+                  <a:schemeClr val="tx1"/>
+                </a:solidFill>
+              </a:rPr>
+              <a:t>내리게 하기</a:t>
+            </a:r>
+            <a:endParaRPr lang="en-US" altLang="ko-KR" sz="1400" dirty="0">
+              <a:solidFill>
+                <a:schemeClr val="tx1"/>
+              </a:solidFill>
+            </a:endParaRPr>
+          </a:p>
+          <a:p>
+            <a:pPr algn="ctr"/>
+            <a:r>
+              <a:rPr lang="ko-KR" altLang="en-US" sz="1400" dirty="0">
+                <a:solidFill>
+                  <a:schemeClr val="tx1"/>
+                </a:solidFill>
+              </a:rPr>
+              <a:t>시스템에게서 특정 이벤트 발생 시</a:t>
+            </a:r>
+            <a:endParaRPr lang="en-US" altLang="ko-KR" sz="1400" dirty="0">
+              <a:solidFill>
+                <a:schemeClr val="tx1"/>
+              </a:solidFill>
+            </a:endParaRPr>
+          </a:p>
+          <a:p>
+            <a:pPr algn="ctr"/>
+            <a:r>
+              <a:rPr lang="ko-KR" altLang="en-US" sz="1400" dirty="0">
+                <a:solidFill>
+                  <a:schemeClr val="tx1"/>
+                </a:solidFill>
+              </a:rPr>
+              <a:t>그에 맞는 연출 출력 </a:t>
+            </a:r>
+            <a:r>
+              <a:rPr lang="en-US" altLang="ko-KR" sz="1400" dirty="0">
+                <a:solidFill>
+                  <a:schemeClr val="tx1"/>
+                </a:solidFill>
+              </a:rPr>
+              <a:t>(</a:t>
+            </a:r>
+            <a:r>
+              <a:rPr lang="ko-KR" altLang="en-US" sz="1400" dirty="0">
+                <a:solidFill>
+                  <a:schemeClr val="tx1"/>
+                </a:solidFill>
+              </a:rPr>
+              <a:t>판정</a:t>
+            </a:r>
+            <a:r>
+              <a:rPr lang="en-US" altLang="ko-KR" sz="1400" dirty="0">
+                <a:solidFill>
+                  <a:schemeClr val="tx1"/>
+                </a:solidFill>
+              </a:rPr>
+              <a:t>, </a:t>
+            </a:r>
+            <a:r>
+              <a:rPr lang="ko-KR" altLang="en-US" sz="1400" dirty="0">
+                <a:solidFill>
+                  <a:schemeClr val="tx1"/>
+                </a:solidFill>
+              </a:rPr>
+              <a:t>콤보 표시</a:t>
+            </a:r>
+            <a:r>
+              <a:rPr lang="en-US" altLang="ko-KR" sz="1400" dirty="0">
+                <a:solidFill>
+                  <a:schemeClr val="tx1"/>
+                </a:solidFill>
+              </a:rPr>
+              <a:t>, </a:t>
+            </a:r>
+            <a:r>
+              <a:rPr lang="ko-KR" altLang="en-US" sz="1400" dirty="0">
+                <a:solidFill>
+                  <a:schemeClr val="tx1"/>
+                </a:solidFill>
+              </a:rPr>
+              <a:t>노트 입력 등</a:t>
+            </a:r>
+            <a:r>
+              <a:rPr lang="en-US" altLang="ko-KR" sz="1400" dirty="0">
+                <a:solidFill>
+                  <a:schemeClr val="tx1"/>
+                </a:solidFill>
+              </a:rPr>
+              <a:t>)</a:t>
+            </a:r>
+            <a:endParaRPr lang="ko-KR" altLang="en-US" sz="1400" dirty="0">
+              <a:solidFill>
+                <a:schemeClr val="tx1"/>
+              </a:solidFill>
+            </a:endParaRPr>
+          </a:p>
+        </p:txBody>
+      </p:sp>
+      <p:sp>
+        <p:nvSpPr>
+          <p:cNvPr id="9" name="TextBox 8">
+            <a:extLst>
+              <a:ext uri="{FF2B5EF4-FFF2-40B4-BE49-F238E27FC236}">
+                <a16:creationId xmlns:a16="http://schemas.microsoft.com/office/drawing/2014/main" id="{D0FC1F65-A50A-FF9A-AB8D-A4F45B6A0DD4}"/>
+              </a:ext>
+            </a:extLst>
+          </p:cNvPr>
+          <p:cNvSpPr txBox="1"/>
+          <p:nvPr/>
+        </p:nvSpPr>
+        <p:spPr>
+          <a:xfrm>
+            <a:off x="5420595" y="6596390"/>
+            <a:ext cx="6771405" cy="261610"/>
+          </a:xfrm>
+          <a:prstGeom prst="rect">
+            <a:avLst/>
+          </a:prstGeom>
+          <a:noFill/>
+        </p:spPr>
+        <p:txBody>
+          <a:bodyPr wrap="none" rtlCol="0">
+            <a:spAutoFit/>
+          </a:bodyPr>
+          <a:lstStyle/>
+          <a:p>
+            <a:r>
+              <a:rPr lang="en-US" altLang="ko-KR" sz="1100" dirty="0"/>
+              <a:t>Event </a:t>
+            </a:r>
+            <a:r>
+              <a:rPr lang="ko-KR" altLang="en-US" sz="1100" dirty="0"/>
+              <a:t>관련 참고할 사이트 </a:t>
+            </a:r>
+            <a:r>
+              <a:rPr lang="en-US" altLang="ko-KR" sz="1100" dirty="0"/>
+              <a:t>: https://huiyu.tistory.com/entry/C-</a:t>
+            </a:r>
+            <a:r>
+              <a:rPr lang="ko-KR" altLang="en-US" sz="1100" dirty="0"/>
+              <a:t>기초</a:t>
+            </a:r>
+            <a:r>
+              <a:rPr lang="en-US" altLang="ko-KR" sz="1100" dirty="0"/>
+              <a:t>-</a:t>
+            </a:r>
+            <a:r>
+              <a:rPr lang="ko-KR" altLang="en-US" sz="1100" dirty="0"/>
+              <a:t>이벤트와</a:t>
+            </a:r>
+            <a:r>
+              <a:rPr lang="en-US" altLang="ko-KR" sz="1100" dirty="0"/>
+              <a:t>-</a:t>
+            </a:r>
+            <a:r>
+              <a:rPr lang="ko-KR" altLang="en-US" sz="1100" dirty="0" err="1"/>
+              <a:t>델리게이트</a:t>
+            </a:r>
+            <a:r>
+              <a:rPr lang="en-US" altLang="ko-KR" sz="1100" dirty="0"/>
+              <a:t>-Event-Delegate</a:t>
+            </a:r>
+            <a:endParaRPr lang="ko-KR" altLang="en-US" sz="1100" dirty="0"/>
+          </a:p>
+        </p:txBody>
+      </p:sp>
+      <p:sp>
+        <p:nvSpPr>
+          <p:cNvPr id="11" name="직사각형 10">
+            <a:extLst>
+              <a:ext uri="{FF2B5EF4-FFF2-40B4-BE49-F238E27FC236}">
+                <a16:creationId xmlns:a16="http://schemas.microsoft.com/office/drawing/2014/main" id="{3E59BE0B-D1B7-5CBD-B65F-F87134980C0F}"/>
+              </a:ext>
+            </a:extLst>
+          </p:cNvPr>
+          <p:cNvSpPr/>
+          <p:nvPr/>
+        </p:nvSpPr>
+        <p:spPr>
+          <a:xfrm>
+            <a:off x="1478943" y="2107096"/>
+            <a:ext cx="1296062" cy="723568"/>
+          </a:xfrm>
+          <a:prstGeom prst="rect">
+            <a:avLst/>
+          </a:prstGeom>
+        </p:spPr>
+        <p:style>
+          <a:lnRef idx="2">
+            <a:schemeClr val="accent6"/>
+          </a:lnRef>
+          <a:fillRef idx="1">
+            <a:schemeClr val="lt1"/>
+          </a:fillRef>
+          <a:effectRef idx="0">
+            <a:schemeClr val="accent6"/>
+          </a:effectRef>
+          <a:fontRef idx="minor">
+            <a:schemeClr val="dk1"/>
+          </a:fontRef>
+        </p:style>
+        <p:txBody>
+          <a:bodyPr rtlCol="0" anchor="ctr"/>
+          <a:lstStyle/>
+          <a:p>
+            <a:pPr algn="ctr"/>
+            <a:r>
+              <a:rPr lang="ko-KR" altLang="en-US" sz="1400" dirty="0"/>
+              <a:t>노트 관리</a:t>
+            </a:r>
+          </a:p>
+        </p:txBody>
+      </p:sp>
+      <p:sp>
+        <p:nvSpPr>
+          <p:cNvPr id="13" name="직사각형 12">
+            <a:extLst>
+              <a:ext uri="{FF2B5EF4-FFF2-40B4-BE49-F238E27FC236}">
+                <a16:creationId xmlns:a16="http://schemas.microsoft.com/office/drawing/2014/main" id="{88935EEC-4678-CAFD-E65E-5BCB8E9DADFA}"/>
+              </a:ext>
+            </a:extLst>
+          </p:cNvPr>
+          <p:cNvSpPr/>
+          <p:nvPr/>
+        </p:nvSpPr>
+        <p:spPr>
+          <a:xfrm>
+            <a:off x="2911503" y="2107096"/>
+            <a:ext cx="1296062" cy="723568"/>
+          </a:xfrm>
+          <a:prstGeom prst="rect">
+            <a:avLst/>
+          </a:prstGeom>
+        </p:spPr>
+        <p:style>
+          <a:lnRef idx="2">
+            <a:schemeClr val="accent6"/>
+          </a:lnRef>
+          <a:fillRef idx="1">
+            <a:schemeClr val="lt1"/>
+          </a:fillRef>
+          <a:effectRef idx="0">
+            <a:schemeClr val="accent6"/>
+          </a:effectRef>
+          <a:fontRef idx="minor">
+            <a:schemeClr val="dk1"/>
+          </a:fontRef>
+        </p:style>
+        <p:txBody>
+          <a:bodyPr rtlCol="0" anchor="ctr"/>
+          <a:lstStyle/>
+          <a:p>
+            <a:pPr algn="ctr"/>
+            <a:r>
+              <a:rPr lang="en-US" altLang="ko-KR" sz="1400" dirty="0"/>
+              <a:t>UI</a:t>
+            </a:r>
+            <a:r>
+              <a:rPr lang="ko-KR" altLang="en-US" sz="1400" dirty="0"/>
+              <a:t> 관리</a:t>
+            </a:r>
+          </a:p>
+        </p:txBody>
+      </p:sp>
+      <p:sp>
+        <p:nvSpPr>
+          <p:cNvPr id="14" name="직사각형 13">
+            <a:extLst>
+              <a:ext uri="{FF2B5EF4-FFF2-40B4-BE49-F238E27FC236}">
+                <a16:creationId xmlns:a16="http://schemas.microsoft.com/office/drawing/2014/main" id="{C47BB3FB-4F29-C61E-82B9-C323ED441B41}"/>
+              </a:ext>
+            </a:extLst>
+          </p:cNvPr>
+          <p:cNvSpPr/>
+          <p:nvPr/>
+        </p:nvSpPr>
+        <p:spPr>
+          <a:xfrm>
+            <a:off x="4344063" y="2103902"/>
+            <a:ext cx="1296062" cy="723568"/>
+          </a:xfrm>
+          <a:prstGeom prst="rect">
+            <a:avLst/>
+          </a:prstGeom>
+        </p:spPr>
+        <p:style>
+          <a:lnRef idx="2">
+            <a:schemeClr val="accent6"/>
+          </a:lnRef>
+          <a:fillRef idx="1">
+            <a:schemeClr val="lt1"/>
+          </a:fillRef>
+          <a:effectRef idx="0">
+            <a:schemeClr val="accent6"/>
+          </a:effectRef>
+          <a:fontRef idx="minor">
+            <a:schemeClr val="dk1"/>
+          </a:fontRef>
+        </p:style>
+        <p:txBody>
+          <a:bodyPr rtlCol="0" anchor="ctr"/>
+          <a:lstStyle/>
+          <a:p>
+            <a:pPr algn="ctr"/>
+            <a:r>
+              <a:rPr lang="ko-KR" altLang="en-US" sz="1400" dirty="0"/>
+              <a:t>등등</a:t>
+            </a:r>
+          </a:p>
+        </p:txBody>
+      </p:sp>
+      <p:cxnSp>
+        <p:nvCxnSpPr>
+          <p:cNvPr id="19" name="직선 화살표 연결선 18">
+            <a:extLst>
+              <a:ext uri="{FF2B5EF4-FFF2-40B4-BE49-F238E27FC236}">
+                <a16:creationId xmlns:a16="http://schemas.microsoft.com/office/drawing/2014/main" id="{BA7FF077-CD17-5469-ED46-6BE09F91C780}"/>
+              </a:ext>
+            </a:extLst>
+          </p:cNvPr>
+          <p:cNvCxnSpPr>
+            <a:stCxn id="11" idx="2"/>
+            <a:endCxn id="6" idx="0"/>
+          </p:cNvCxnSpPr>
+          <p:nvPr/>
+        </p:nvCxnSpPr>
+        <p:spPr>
+          <a:xfrm>
+            <a:off x="2126974" y="2830664"/>
+            <a:ext cx="1139687" cy="1508761"/>
+          </a:xfrm>
+          <a:prstGeom prst="straightConnector1">
+            <a:avLst/>
+          </a:prstGeom>
+          <a:ln>
+            <a:solidFill>
+              <a:schemeClr val="tx1"/>
+            </a:solidFill>
+            <a:tailEnd type="triangle"/>
+          </a:ln>
+        </p:spPr>
+        <p:style>
+          <a:lnRef idx="2">
+            <a:schemeClr val="accent1"/>
+          </a:lnRef>
+          <a:fillRef idx="0">
+            <a:schemeClr val="accent1"/>
+          </a:fillRef>
+          <a:effectRef idx="1">
+            <a:schemeClr val="accent1"/>
+          </a:effectRef>
+          <a:fontRef idx="minor">
+            <a:schemeClr val="tx1"/>
+          </a:fontRef>
+        </p:style>
+      </p:cxnSp>
+      <p:cxnSp>
+        <p:nvCxnSpPr>
+          <p:cNvPr id="20" name="직선 화살표 연결선 19">
+            <a:extLst>
+              <a:ext uri="{FF2B5EF4-FFF2-40B4-BE49-F238E27FC236}">
+                <a16:creationId xmlns:a16="http://schemas.microsoft.com/office/drawing/2014/main" id="{47EF1476-F563-337C-5745-3EB4AE25D76E}"/>
+              </a:ext>
+            </a:extLst>
+          </p:cNvPr>
+          <p:cNvCxnSpPr>
+            <a:cxnSpLocks/>
+            <a:stCxn id="13" idx="2"/>
+            <a:endCxn id="6" idx="0"/>
+          </p:cNvCxnSpPr>
+          <p:nvPr/>
+        </p:nvCxnSpPr>
+        <p:spPr>
+          <a:xfrm flipH="1">
+            <a:off x="3266661" y="2830664"/>
+            <a:ext cx="292873" cy="1508761"/>
+          </a:xfrm>
+          <a:prstGeom prst="straightConnector1">
+            <a:avLst/>
+          </a:prstGeom>
+          <a:ln>
+            <a:solidFill>
+              <a:schemeClr val="tx1"/>
+            </a:solidFill>
+            <a:tailEnd type="triangle"/>
+          </a:ln>
+        </p:spPr>
+        <p:style>
+          <a:lnRef idx="2">
+            <a:schemeClr val="accent1"/>
+          </a:lnRef>
+          <a:fillRef idx="0">
+            <a:schemeClr val="accent1"/>
+          </a:fillRef>
+          <a:effectRef idx="1">
+            <a:schemeClr val="accent1"/>
+          </a:effectRef>
+          <a:fontRef idx="minor">
+            <a:schemeClr val="tx1"/>
+          </a:fontRef>
+        </p:style>
+      </p:cxnSp>
+      <p:cxnSp>
+        <p:nvCxnSpPr>
+          <p:cNvPr id="23" name="직선 화살표 연결선 22">
+            <a:extLst>
+              <a:ext uri="{FF2B5EF4-FFF2-40B4-BE49-F238E27FC236}">
+                <a16:creationId xmlns:a16="http://schemas.microsoft.com/office/drawing/2014/main" id="{E3FB524D-1943-0307-86AE-50CE8497B647}"/>
+              </a:ext>
+            </a:extLst>
+          </p:cNvPr>
+          <p:cNvCxnSpPr>
+            <a:cxnSpLocks/>
+            <a:stCxn id="14" idx="2"/>
+            <a:endCxn id="6" idx="0"/>
+          </p:cNvCxnSpPr>
+          <p:nvPr/>
+        </p:nvCxnSpPr>
+        <p:spPr>
+          <a:xfrm flipH="1">
+            <a:off x="3266661" y="2827470"/>
+            <a:ext cx="1725433" cy="1511955"/>
+          </a:xfrm>
+          <a:prstGeom prst="straightConnector1">
+            <a:avLst/>
+          </a:prstGeom>
+          <a:ln>
+            <a:solidFill>
+              <a:schemeClr val="tx1"/>
+            </a:solidFill>
+            <a:tailEnd type="triangle"/>
+          </a:ln>
+        </p:spPr>
+        <p:style>
+          <a:lnRef idx="2">
+            <a:schemeClr val="accent1"/>
+          </a:lnRef>
+          <a:fillRef idx="0">
+            <a:schemeClr val="accent1"/>
+          </a:fillRef>
+          <a:effectRef idx="1">
+            <a:schemeClr val="accent1"/>
+          </a:effectRef>
+          <a:fontRef idx="minor">
+            <a:schemeClr val="tx1"/>
+          </a:fontRef>
+        </p:style>
+      </p:cxnSp>
+      <p:sp>
+        <p:nvSpPr>
+          <p:cNvPr id="26" name="TextBox 25">
+            <a:extLst>
+              <a:ext uri="{FF2B5EF4-FFF2-40B4-BE49-F238E27FC236}">
+                <a16:creationId xmlns:a16="http://schemas.microsoft.com/office/drawing/2014/main" id="{E03F6BA2-772E-558D-EB8B-C324BA51CA72}"/>
+              </a:ext>
+            </a:extLst>
+          </p:cNvPr>
+          <p:cNvSpPr txBox="1"/>
+          <p:nvPr/>
+        </p:nvSpPr>
+        <p:spPr>
+          <a:xfrm>
+            <a:off x="811466" y="4024033"/>
+            <a:ext cx="1566454" cy="307777"/>
+          </a:xfrm>
+          <a:prstGeom prst="rect">
+            <a:avLst/>
+          </a:prstGeom>
+          <a:noFill/>
+        </p:spPr>
+        <p:txBody>
+          <a:bodyPr wrap="none" rtlCol="0">
+            <a:spAutoFit/>
+          </a:bodyPr>
+          <a:lstStyle/>
+          <a:p>
+            <a:r>
+              <a:rPr lang="ko-KR" altLang="en-US" sz="1400" dirty="0" err="1"/>
+              <a:t>옵저버</a:t>
+            </a:r>
+            <a:r>
+              <a:rPr lang="ko-KR" altLang="en-US" sz="1400" dirty="0"/>
+              <a:t> 패턴 사용</a:t>
+            </a:r>
+          </a:p>
+        </p:txBody>
+      </p:sp>
+      <p:sp>
+        <p:nvSpPr>
+          <p:cNvPr id="2" name="직사각형 1">
+            <a:extLst>
+              <a:ext uri="{FF2B5EF4-FFF2-40B4-BE49-F238E27FC236}">
+                <a16:creationId xmlns:a16="http://schemas.microsoft.com/office/drawing/2014/main" id="{F1D45DEA-5DB9-1E9E-4E22-2607432E5FC7}"/>
+              </a:ext>
+            </a:extLst>
+          </p:cNvPr>
+          <p:cNvSpPr/>
+          <p:nvPr/>
+        </p:nvSpPr>
+        <p:spPr>
+          <a:xfrm>
+            <a:off x="8754841" y="4464267"/>
+            <a:ext cx="3236182" cy="1982644"/>
+          </a:xfrm>
+          <a:prstGeom prst="rect">
+            <a:avLst/>
+          </a:prstGeom>
+        </p:spPr>
+        <p:style>
+          <a:lnRef idx="2">
+            <a:schemeClr val="dk1"/>
+          </a:lnRef>
+          <a:fillRef idx="1">
+            <a:schemeClr val="lt1"/>
+          </a:fillRef>
+          <a:effectRef idx="0">
+            <a:schemeClr val="dk1"/>
+          </a:effectRef>
+          <a:fontRef idx="minor">
+            <a:schemeClr val="dk1"/>
+          </a:fontRef>
+        </p:style>
+        <p:txBody>
+          <a:bodyPr rtlCol="0" anchor="ctr"/>
+          <a:lstStyle/>
+          <a:p>
+            <a:pPr algn="ctr"/>
+            <a:r>
+              <a:rPr lang="ko-KR" altLang="en-US" dirty="0"/>
+              <a:t>채보파일</a:t>
+            </a:r>
+          </a:p>
+          <a:p>
+            <a:pPr algn="ctr"/>
+            <a:r>
+              <a:rPr lang="ko-KR" altLang="en-US" sz="1200" dirty="0"/>
+              <a:t>곡 제목</a:t>
+            </a:r>
+            <a:r>
+              <a:rPr lang="en-US" altLang="ko-KR" sz="1200" dirty="0"/>
+              <a:t>, </a:t>
+            </a:r>
+            <a:r>
+              <a:rPr lang="ko-KR" altLang="en-US" sz="1200" dirty="0"/>
+              <a:t>작곡가</a:t>
+            </a:r>
+            <a:r>
+              <a:rPr lang="en-US" altLang="ko-KR" sz="1200" dirty="0"/>
+              <a:t>, </a:t>
+            </a:r>
+            <a:r>
+              <a:rPr lang="ko-KR" altLang="en-US" sz="1200" dirty="0"/>
+              <a:t>난이도</a:t>
+            </a:r>
+            <a:r>
+              <a:rPr lang="en-US" altLang="ko-KR" sz="1200" dirty="0"/>
+              <a:t>, </a:t>
+            </a:r>
+            <a:r>
+              <a:rPr lang="ko-KR" altLang="en-US" sz="1200" dirty="0"/>
+              <a:t>표기 </a:t>
+            </a:r>
+            <a:r>
+              <a:rPr lang="en-US" altLang="ko-KR" sz="1200" dirty="0"/>
+              <a:t>BPM</a:t>
+            </a:r>
+          </a:p>
+          <a:p>
+            <a:pPr algn="ctr"/>
+            <a:r>
+              <a:rPr lang="ko-KR" altLang="en-US" sz="1200" dirty="0"/>
+              <a:t>박자 정보 </a:t>
+            </a:r>
+            <a:r>
+              <a:rPr lang="en-US" altLang="ko-KR" sz="1200" dirty="0"/>
+              <a:t>{BPM, N/M</a:t>
+            </a:r>
+            <a:r>
+              <a:rPr lang="ko-KR" altLang="en-US" sz="1200" dirty="0"/>
+              <a:t>박</a:t>
+            </a:r>
+            <a:r>
+              <a:rPr lang="en-US" altLang="ko-KR" sz="1200" dirty="0"/>
+              <a:t>, </a:t>
+            </a:r>
+            <a:r>
+              <a:rPr lang="ko-KR" altLang="en-US" sz="1200" dirty="0"/>
+              <a:t>시작 시간</a:t>
+            </a:r>
+            <a:r>
+              <a:rPr lang="en-US" altLang="ko-KR" sz="1200" dirty="0"/>
+              <a:t>(</a:t>
+            </a:r>
+            <a:r>
+              <a:rPr lang="en-US" altLang="ko-KR" sz="1200" dirty="0" err="1"/>
+              <a:t>ms</a:t>
+            </a:r>
+            <a:r>
+              <a:rPr lang="en-US" altLang="ko-KR" sz="1200" dirty="0"/>
+              <a:t>)}</a:t>
+            </a:r>
+          </a:p>
+          <a:p>
+            <a:pPr algn="ctr"/>
+            <a:r>
+              <a:rPr lang="ko-KR" altLang="en-US" sz="1200" dirty="0"/>
+              <a:t>노트 정보 </a:t>
+            </a:r>
+            <a:r>
+              <a:rPr lang="en-US" altLang="ko-KR" sz="1200" dirty="0"/>
+              <a:t>{</a:t>
+            </a:r>
+            <a:r>
+              <a:rPr lang="ko-KR" altLang="en-US" sz="1200" dirty="0"/>
+              <a:t>노트 종류</a:t>
+            </a:r>
+            <a:r>
+              <a:rPr lang="en-US" altLang="ko-KR" sz="1200" dirty="0"/>
+              <a:t>, </a:t>
+            </a:r>
+            <a:r>
+              <a:rPr lang="ko-KR" altLang="en-US" sz="1200" dirty="0"/>
+              <a:t>시작 시간</a:t>
+            </a:r>
+            <a:r>
+              <a:rPr lang="en-US" altLang="ko-KR" sz="1200" dirty="0"/>
+              <a:t>(</a:t>
+            </a:r>
+            <a:r>
+              <a:rPr lang="en-US" altLang="ko-KR" sz="1200" dirty="0" err="1"/>
+              <a:t>ms</a:t>
+            </a:r>
+            <a:r>
+              <a:rPr lang="en-US" altLang="ko-KR" sz="1200" dirty="0"/>
+              <a:t>)}</a:t>
+            </a:r>
+          </a:p>
+          <a:p>
+            <a:pPr algn="ctr"/>
+            <a:r>
+              <a:rPr lang="ko-KR" altLang="en-US" sz="1200" dirty="0"/>
+              <a:t>속도 정보 </a:t>
+            </a:r>
+            <a:r>
+              <a:rPr lang="en-US" altLang="ko-KR" sz="1200" dirty="0"/>
+              <a:t>{</a:t>
+            </a:r>
+            <a:r>
+              <a:rPr lang="ko-KR" altLang="en-US" sz="1200" dirty="0"/>
+              <a:t>속도</a:t>
+            </a:r>
+            <a:r>
+              <a:rPr lang="en-US" altLang="ko-KR" sz="1200" dirty="0"/>
+              <a:t>, </a:t>
+            </a:r>
+            <a:r>
+              <a:rPr lang="ko-KR" altLang="en-US" sz="1200" dirty="0"/>
+              <a:t>시작 시간</a:t>
+            </a:r>
+            <a:r>
+              <a:rPr lang="en-US" altLang="ko-KR" sz="1200" dirty="0"/>
+              <a:t>(</a:t>
+            </a:r>
+            <a:r>
+              <a:rPr lang="en-US" altLang="ko-KR" sz="1200" dirty="0" err="1"/>
+              <a:t>ms</a:t>
+            </a:r>
+            <a:r>
+              <a:rPr lang="en-US" altLang="ko-KR" sz="1200" dirty="0"/>
+              <a:t>)}</a:t>
+            </a:r>
+          </a:p>
+          <a:p>
+            <a:pPr algn="ctr"/>
+            <a:r>
+              <a:rPr lang="ko-KR" altLang="en-US" sz="1200" dirty="0"/>
+              <a:t>이벤트 정보</a:t>
+            </a:r>
+            <a:r>
+              <a:rPr lang="en-US" altLang="ko-KR" sz="1200" dirty="0"/>
+              <a:t>{</a:t>
+            </a:r>
+            <a:r>
+              <a:rPr lang="ko-KR" altLang="en-US" sz="1200" dirty="0"/>
+              <a:t>함수 이름</a:t>
+            </a:r>
+            <a:r>
+              <a:rPr lang="en-US" altLang="ko-KR" sz="1200" dirty="0"/>
+              <a:t>, </a:t>
+            </a:r>
+            <a:r>
+              <a:rPr lang="ko-KR" altLang="en-US" sz="1200" dirty="0"/>
+              <a:t>시작 시간</a:t>
+            </a:r>
+            <a:r>
+              <a:rPr lang="en-US" altLang="ko-KR" sz="1200" dirty="0"/>
+              <a:t>(</a:t>
+            </a:r>
+            <a:r>
+              <a:rPr lang="en-US" altLang="ko-KR" sz="1200" dirty="0" err="1"/>
+              <a:t>ms</a:t>
+            </a:r>
+            <a:r>
+              <a:rPr lang="en-US" altLang="ko-KR" sz="1200" dirty="0"/>
+              <a:t>)}</a:t>
+            </a:r>
+          </a:p>
+        </p:txBody>
+      </p:sp>
+      <p:cxnSp>
+        <p:nvCxnSpPr>
+          <p:cNvPr id="10" name="직선 화살표 연결선 9">
+            <a:extLst>
+              <a:ext uri="{FF2B5EF4-FFF2-40B4-BE49-F238E27FC236}">
+                <a16:creationId xmlns:a16="http://schemas.microsoft.com/office/drawing/2014/main" id="{7D1FFE54-93E5-F735-3005-4D03840796C6}"/>
+              </a:ext>
+            </a:extLst>
+          </p:cNvPr>
+          <p:cNvCxnSpPr>
+            <a:stCxn id="2" idx="1"/>
+            <a:endCxn id="6" idx="3"/>
+          </p:cNvCxnSpPr>
+          <p:nvPr/>
+        </p:nvCxnSpPr>
+        <p:spPr>
+          <a:xfrm flipH="1">
+            <a:off x="5640125" y="5455589"/>
+            <a:ext cx="3114716" cy="1"/>
+          </a:xfrm>
+          <a:prstGeom prst="straightConnector1">
+            <a:avLst/>
+          </a:prstGeom>
+          <a:ln>
+            <a:tailEnd type="triangle"/>
+          </a:ln>
+        </p:spPr>
+        <p:style>
+          <a:lnRef idx="2">
+            <a:schemeClr val="dk1"/>
+          </a:lnRef>
+          <a:fillRef idx="0">
+            <a:schemeClr val="dk1"/>
+          </a:fillRef>
+          <a:effectRef idx="1">
+            <a:schemeClr val="dk1"/>
+          </a:effectRef>
+          <a:fontRef idx="minor">
+            <a:schemeClr val="tx1"/>
+          </a:fontRef>
+        </p:style>
+      </p:cxnSp>
+    </p:spTree>
+    <p:extLst>
+      <p:ext uri="{BB962C8B-B14F-4D97-AF65-F5344CB8AC3E}">
+        <p14:creationId xmlns:p14="http://schemas.microsoft.com/office/powerpoint/2010/main" val="3588416580"/>
+      </p:ext>
+    </p:extLst>
+  </p:cSld>
+  <p:clrMapOvr>
+    <a:masterClrMapping/>
+  </p:clrMapOvr>
+</p:sld>
+</file>
+
+<file path=ppt/slides/slide4.xml><?xml version="1.0" encoding="utf-8"?>
+<p:sld xmlns:a="http://schemas.openxmlformats.org/drawingml/2006/main" xmlns:r="http://schemas.openxmlformats.org/officeDocument/2006/relationships" xmlns:p="http://schemas.openxmlformats.org/presentationml/2006/main">
+  <p:cSld>
+    <p:spTree>
+      <p:nvGrpSpPr>
+        <p:cNvPr id="1" name=""/>
+        <p:cNvGrpSpPr/>
+        <p:nvPr/>
+      </p:nvGrpSpPr>
+      <p:grpSpPr>
+        <a:xfrm>
+          <a:off x="0" y="0"/>
+          <a:ext cx="0" cy="0"/>
+          <a:chOff x="0" y="0"/>
+          <a:chExt cx="0" cy="0"/>
+        </a:xfrm>
+      </p:grpSpPr>
+      <p:sp>
+        <p:nvSpPr>
+          <p:cNvPr id="4" name="직사각형 3">
+            <a:extLst>
+              <a:ext uri="{FF2B5EF4-FFF2-40B4-BE49-F238E27FC236}">
+                <a16:creationId xmlns:a16="http://schemas.microsoft.com/office/drawing/2014/main" id="{35A9B938-13F4-8E1B-BB9A-2481CE7818A4}"/>
+              </a:ext>
+            </a:extLst>
+          </p:cNvPr>
+          <p:cNvSpPr/>
+          <p:nvPr/>
+        </p:nvSpPr>
+        <p:spPr>
+          <a:xfrm>
+            <a:off x="720918" y="1266245"/>
+            <a:ext cx="4746929" cy="2232329"/>
+          </a:xfrm>
+          <a:prstGeom prst="rect">
+            <a:avLst/>
+          </a:prstGeom>
+          <a:solidFill>
+            <a:schemeClr val="bg1"/>
+          </a:solidFill>
+          <a:ln>
+            <a:solidFill>
+              <a:schemeClr val="tx1"/>
+            </a:solidFill>
+          </a:ln>
+        </p:spPr>
+        <p:style>
+          <a:lnRef idx="2">
+            <a:schemeClr val="accent1">
+              <a:shade val="15000"/>
+            </a:schemeClr>
+          </a:lnRef>
+          <a:fillRef idx="1">
+            <a:schemeClr val="accent1"/>
+          </a:fillRef>
+          <a:effectRef idx="0">
+            <a:schemeClr val="accent1"/>
+          </a:effectRef>
+          <a:fontRef idx="minor">
+            <a:schemeClr val="lt1"/>
+          </a:fontRef>
+        </p:style>
+        <p:txBody>
+          <a:bodyPr rtlCol="0" anchor="ctr"/>
+          <a:lstStyle/>
+          <a:p>
+            <a:pPr algn="ctr"/>
+            <a:r>
+              <a:rPr lang="ko-KR" altLang="en-US" sz="1400" dirty="0">
+                <a:solidFill>
+                  <a:schemeClr val="tx1"/>
+                </a:solidFill>
+              </a:rPr>
+              <a:t>메모 </a:t>
+            </a:r>
+            <a:r>
+              <a:rPr lang="en-US" altLang="ko-KR" sz="1400" dirty="0">
+                <a:solidFill>
+                  <a:schemeClr val="tx1"/>
+                </a:solidFill>
+              </a:rPr>
+              <a:t>: </a:t>
+            </a:r>
+            <a:r>
+              <a:rPr lang="ko-KR" altLang="en-US" sz="1400" dirty="0">
+                <a:solidFill>
+                  <a:schemeClr val="tx1"/>
+                </a:solidFill>
+              </a:rPr>
+              <a:t>시간은 </a:t>
+            </a:r>
+            <a:r>
+              <a:rPr lang="en-US" altLang="ko-KR" sz="1400" dirty="0" err="1">
+                <a:solidFill>
+                  <a:schemeClr val="tx1"/>
+                </a:solidFill>
+              </a:rPr>
+              <a:t>ms</a:t>
+            </a:r>
+            <a:r>
+              <a:rPr lang="en-US" altLang="ko-KR" sz="1400" dirty="0">
+                <a:solidFill>
+                  <a:schemeClr val="tx1"/>
+                </a:solidFill>
+              </a:rPr>
+              <a:t> </a:t>
+            </a:r>
+            <a:r>
+              <a:rPr lang="ko-KR" altLang="en-US" sz="1400" dirty="0">
+                <a:solidFill>
+                  <a:schemeClr val="tx1"/>
+                </a:solidFill>
+              </a:rPr>
+              <a:t>단위로 통일</a:t>
+            </a:r>
+            <a:endParaRPr lang="en-US" altLang="ko-KR" sz="1400" dirty="0">
+              <a:solidFill>
+                <a:schemeClr val="tx1"/>
+              </a:solidFill>
+            </a:endParaRPr>
+          </a:p>
+        </p:txBody>
+      </p:sp>
+      <p:sp>
+        <p:nvSpPr>
+          <p:cNvPr id="5" name="직사각형 4">
+            <a:extLst>
+              <a:ext uri="{FF2B5EF4-FFF2-40B4-BE49-F238E27FC236}">
+                <a16:creationId xmlns:a16="http://schemas.microsoft.com/office/drawing/2014/main" id="{3F1DA17F-566D-3AB4-4D0D-8E19DB001B15}"/>
+              </a:ext>
+            </a:extLst>
+          </p:cNvPr>
+          <p:cNvSpPr/>
+          <p:nvPr/>
+        </p:nvSpPr>
+        <p:spPr>
+          <a:xfrm>
+            <a:off x="720917" y="671223"/>
+            <a:ext cx="4746929" cy="497619"/>
+          </a:xfrm>
+          <a:prstGeom prst="rect">
+            <a:avLst/>
+          </a:prstGeom>
+          <a:solidFill>
+            <a:schemeClr val="bg1"/>
+          </a:solidFill>
+          <a:ln>
+            <a:solidFill>
+              <a:schemeClr val="tx1"/>
+            </a:solidFill>
+          </a:ln>
+        </p:spPr>
+        <p:style>
+          <a:lnRef idx="2">
+            <a:schemeClr val="accent1">
+              <a:shade val="15000"/>
+            </a:schemeClr>
+          </a:lnRef>
+          <a:fillRef idx="1">
+            <a:schemeClr val="accent1"/>
+          </a:fillRef>
+          <a:effectRef idx="0">
+            <a:schemeClr val="accent1"/>
+          </a:effectRef>
+          <a:fontRef idx="minor">
+            <a:schemeClr val="lt1"/>
+          </a:fontRef>
+        </p:style>
+        <p:txBody>
+          <a:bodyPr rtlCol="0" anchor="ctr"/>
+          <a:lstStyle/>
+          <a:p>
+            <a:pPr algn="ctr"/>
+            <a:r>
+              <a:rPr lang="ko-KR" altLang="en-US" dirty="0">
+                <a:solidFill>
+                  <a:schemeClr val="tx1"/>
+                </a:solidFill>
+              </a:rPr>
+              <a:t>시스템</a:t>
+            </a:r>
+            <a:endParaRPr lang="en-US" altLang="ko-KR" dirty="0">
+              <a:solidFill>
+                <a:schemeClr val="tx1"/>
+              </a:solidFill>
+            </a:endParaRPr>
+          </a:p>
+        </p:txBody>
+      </p:sp>
+    </p:spTree>
+    <p:extLst>
+      <p:ext uri="{BB962C8B-B14F-4D97-AF65-F5344CB8AC3E}">
+        <p14:creationId xmlns:p14="http://schemas.microsoft.com/office/powerpoint/2010/main" val="925643669"/>
+      </p:ext>
+    </p:extLst>
+  </p:cSld>
+  <p:clrMapOvr>
+    <a:masterClrMapping/>
+  </p:clrMapOvr>
+</p:sld>
+</file>
+
 <file path=ppt/theme/theme1.xml><?xml version="1.0" encoding="utf-8"?>
 <a:theme xmlns:a="http://schemas.openxmlformats.org/drawingml/2006/main" name="Office 테마">
   <a:themeElements>
